--- a/powerpoint/20250410_프로세스(9단계).pptx
+++ b/powerpoint/20250410_프로세스(9단계).pptx
@@ -105,6 +105,11 @@
       </a:defRPr>
     </a:lvl9pPr>
   </p:defaultTextStyle>
+  <p:extLst>
+    <p:ext uri="{EFAFB233-063F-42B5-8137-9DF3F51BA10A}">
+      <p15:sldGuideLst xmlns:p15="http://schemas.microsoft.com/office/powerpoint/2012/main"/>
+    </p:ext>
+  </p:extLst>
 </p:presentation>
 </file>
 
@@ -3035,73 +3040,124 @@
               <a:buNone/>
             </a:pPr>
             <a:r>
-              <a:rPr lang="ko-KR" altLang="en-US" dirty="0"/>
+              <a:rPr lang="ko-KR" altLang="en-US" dirty="0">
+                <a:latin typeface="나눔스퀘어OTF" panose="020B0600000101010101" pitchFamily="34" charset="-127"/>
+                <a:ea typeface="나눔스퀘어OTF" panose="020B0600000101010101" pitchFamily="34" charset="-127"/>
+              </a:rPr>
               <a:t>✅ </a:t>
             </a:r>
             <a:r>
-              <a:rPr lang="en-US" altLang="ko-KR" dirty="0"/>
+              <a:rPr lang="en-US" altLang="ko-KR" dirty="0">
+                <a:latin typeface="나눔스퀘어OTF" panose="020B0600000101010101" pitchFamily="34" charset="-127"/>
+                <a:ea typeface="나눔스퀘어OTF" panose="020B0600000101010101" pitchFamily="34" charset="-127"/>
+              </a:rPr>
               <a:t>AI </a:t>
             </a:r>
             <a:r>
-              <a:rPr lang="ko-KR" altLang="en-US" dirty="0"/>
+              <a:rPr lang="ko-KR" altLang="en-US" dirty="0">
+                <a:latin typeface="나눔스퀘어OTF" panose="020B0600000101010101" pitchFamily="34" charset="-127"/>
+                <a:ea typeface="나눔스퀘어OTF" panose="020B0600000101010101" pitchFamily="34" charset="-127"/>
+              </a:rPr>
               <a:t>답변 프로세스 </a:t>
             </a:r>
             <a:r>
-              <a:rPr lang="en-US" altLang="ko-KR" dirty="0"/>
+              <a:rPr lang="en-US" altLang="ko-KR" dirty="0">
+                <a:latin typeface="나눔스퀘어OTF" panose="020B0600000101010101" pitchFamily="34" charset="-127"/>
+                <a:ea typeface="나눔스퀘어OTF" panose="020B0600000101010101" pitchFamily="34" charset="-127"/>
+              </a:rPr>
               <a:t>(</a:t>
             </a:r>
             <a:r>
-              <a:rPr lang="ko-KR" altLang="en-US" dirty="0"/>
+              <a:rPr lang="ko-KR" altLang="en-US" dirty="0">
+                <a:latin typeface="나눔스퀘어OTF" panose="020B0600000101010101" pitchFamily="34" charset="-127"/>
+                <a:ea typeface="나눔스퀘어OTF" panose="020B0600000101010101" pitchFamily="34" charset="-127"/>
+              </a:rPr>
               <a:t>총 </a:t>
             </a:r>
             <a:r>
-              <a:rPr lang="en-US" altLang="ko-KR" dirty="0"/>
+              <a:rPr lang="en-US" altLang="ko-KR" dirty="0">
+                <a:latin typeface="나눔스퀘어OTF" panose="020B0600000101010101" pitchFamily="34" charset="-127"/>
+                <a:ea typeface="나눔스퀘어OTF" panose="020B0600000101010101" pitchFamily="34" charset="-127"/>
+              </a:rPr>
               <a:t>9</a:t>
             </a:r>
             <a:r>
-              <a:rPr lang="ko-KR" altLang="en-US" dirty="0"/>
+              <a:rPr lang="ko-KR" altLang="en-US" dirty="0">
+                <a:latin typeface="나눔스퀘어OTF" panose="020B0600000101010101" pitchFamily="34" charset="-127"/>
+                <a:ea typeface="나눔스퀘어OTF" panose="020B0600000101010101" pitchFamily="34" charset="-127"/>
+              </a:rPr>
               <a:t>단계</a:t>
             </a:r>
             <a:r>
-              <a:rPr lang="en-US" altLang="ko-KR" dirty="0"/>
+              <a:rPr lang="en-US" altLang="ko-KR" dirty="0">
+                <a:latin typeface="나눔스퀘어OTF" panose="020B0600000101010101" pitchFamily="34" charset="-127"/>
+                <a:ea typeface="나눔스퀘어OTF" panose="020B0600000101010101" pitchFamily="34" charset="-127"/>
+              </a:rPr>
               <a:t>)</a:t>
             </a:r>
           </a:p>
           <a:p>
             <a:r>
-              <a:rPr lang="en-US" altLang="ko-KR" dirty="0"/>
+              <a:rPr lang="en-US" altLang="ko-KR" dirty="0">
+                <a:latin typeface="나눔스퀘어OTF" panose="020B0600000101010101" pitchFamily="34" charset="-127"/>
+                <a:ea typeface="나눔스퀘어OTF" panose="020B0600000101010101" pitchFamily="34" charset="-127"/>
+              </a:rPr>
               <a:t>AI</a:t>
             </a:r>
             <a:r>
-              <a:rPr lang="ko-KR" altLang="en-US" dirty="0"/>
+              <a:rPr lang="ko-KR" altLang="en-US" dirty="0">
+                <a:latin typeface="나눔스퀘어OTF" panose="020B0600000101010101" pitchFamily="34" charset="-127"/>
+                <a:ea typeface="나눔스퀘어OTF" panose="020B0600000101010101" pitchFamily="34" charset="-127"/>
+              </a:rPr>
               <a:t>는 고객이 문의한 제품 정보</a:t>
             </a:r>
             <a:r>
-              <a:rPr lang="en-US" altLang="ko-KR" dirty="0"/>
+              <a:rPr lang="en-US" altLang="ko-KR" dirty="0">
+                <a:latin typeface="나눔스퀘어OTF" panose="020B0600000101010101" pitchFamily="34" charset="-127"/>
+                <a:ea typeface="나눔스퀘어OTF" panose="020B0600000101010101" pitchFamily="34" charset="-127"/>
+              </a:rPr>
               <a:t>(a) </a:t>
             </a:r>
             <a:r>
-              <a:rPr lang="ko-KR" altLang="en-US" dirty="0"/>
+              <a:rPr lang="ko-KR" altLang="en-US" dirty="0">
+                <a:latin typeface="나눔스퀘어OTF" panose="020B0600000101010101" pitchFamily="34" charset="-127"/>
+                <a:ea typeface="나눔스퀘어OTF" panose="020B0600000101010101" pitchFamily="34" charset="-127"/>
+              </a:rPr>
               <a:t>또는 상담원 연결 요청을 인지하면</a:t>
             </a:r>
             <a:r>
-              <a:rPr lang="en-US" altLang="ko-KR" dirty="0"/>
+              <a:rPr lang="en-US" altLang="ko-KR" dirty="0">
+                <a:latin typeface="나눔스퀘어OTF" panose="020B0600000101010101" pitchFamily="34" charset="-127"/>
+                <a:ea typeface="나눔스퀘어OTF" panose="020B0600000101010101" pitchFamily="34" charset="-127"/>
+              </a:rPr>
               <a:t>, </a:t>
             </a:r>
             <a:r>
-              <a:rPr lang="ko-KR" altLang="en-US" dirty="0"/>
+              <a:rPr lang="ko-KR" altLang="en-US" dirty="0">
+                <a:latin typeface="나눔스퀘어OTF" panose="020B0600000101010101" pitchFamily="34" charset="-127"/>
+                <a:ea typeface="나눔스퀘어OTF" panose="020B0600000101010101" pitchFamily="34" charset="-127"/>
+              </a:rPr>
               <a:t>아래 </a:t>
             </a:r>
             <a:r>
-              <a:rPr lang="en-US" altLang="ko-KR" dirty="0"/>
+              <a:rPr lang="en-US" altLang="ko-KR" dirty="0">
+                <a:latin typeface="나눔스퀘어OTF" panose="020B0600000101010101" pitchFamily="34" charset="-127"/>
+                <a:ea typeface="나눔스퀘어OTF" panose="020B0600000101010101" pitchFamily="34" charset="-127"/>
+              </a:rPr>
               <a:t>9</a:t>
             </a:r>
             <a:r>
-              <a:rPr lang="ko-KR" altLang="en-US" dirty="0"/>
+              <a:rPr lang="ko-KR" altLang="en-US" dirty="0">
+                <a:latin typeface="나눔스퀘어OTF" panose="020B0600000101010101" pitchFamily="34" charset="-127"/>
+                <a:ea typeface="나눔스퀘어OTF" panose="020B0600000101010101" pitchFamily="34" charset="-127"/>
+              </a:rPr>
               <a:t>단계를 바탕으로 응답 자료를 생성합니다</a:t>
             </a:r>
             <a:r>
-              <a:rPr lang="en-US" altLang="ko-KR" dirty="0"/>
+              <a:rPr lang="en-US" altLang="ko-KR" dirty="0">
+                <a:latin typeface="나눔스퀘어OTF" panose="020B0600000101010101" pitchFamily="34" charset="-127"/>
+                <a:ea typeface="나눔스퀘어OTF" panose="020B0600000101010101" pitchFamily="34" charset="-127"/>
+              </a:rPr>
               <a:t>:</a:t>
             </a:r>
           </a:p>
@@ -3139,15 +3195,24 @@
               <a:buNone/>
             </a:pPr>
             <a:r>
-              <a:rPr lang="ko-KR" altLang="en-US" dirty="0"/>
+              <a:rPr lang="ko-KR" altLang="en-US" dirty="0">
+                <a:latin typeface="나눔스퀘어OTF" panose="020B0600000101010101" pitchFamily="34" charset="-127"/>
+                <a:ea typeface="나눔스퀘어OTF" panose="020B0600000101010101" pitchFamily="34" charset="-127"/>
+              </a:rPr>
               <a:t>🔹 </a:t>
             </a:r>
             <a:r>
-              <a:rPr lang="en-US" altLang="ko-KR" dirty="0"/>
+              <a:rPr lang="en-US" altLang="ko-KR" dirty="0">
+                <a:latin typeface="나눔스퀘어OTF" panose="020B0600000101010101" pitchFamily="34" charset="-127"/>
+                <a:ea typeface="나눔스퀘어OTF" panose="020B0600000101010101" pitchFamily="34" charset="-127"/>
+              </a:rPr>
               <a:t>1</a:t>
             </a:r>
             <a:r>
-              <a:rPr lang="ko-KR" altLang="en-US" dirty="0"/>
+              <a:rPr lang="ko-KR" altLang="en-US" dirty="0">
+                <a:latin typeface="나눔스퀘어OTF" panose="020B0600000101010101" pitchFamily="34" charset="-127"/>
+                <a:ea typeface="나눔스퀘어OTF" panose="020B0600000101010101" pitchFamily="34" charset="-127"/>
+              </a:rPr>
               <a:t>제품 정보 및 분류 확인</a:t>
             </a:r>
           </a:p>
@@ -3156,19 +3221,31 @@
               <a:buNone/>
             </a:pPr>
             <a:r>
-              <a:rPr lang="ko-KR" altLang="en-US" dirty="0"/>
+              <a:rPr lang="ko-KR" altLang="en-US" dirty="0">
+                <a:latin typeface="나눔스퀘어OTF" panose="020B0600000101010101" pitchFamily="34" charset="-127"/>
+                <a:ea typeface="나눔스퀘어OTF" panose="020B0600000101010101" pitchFamily="34" charset="-127"/>
+              </a:rPr>
               <a:t>고객이 언급한 제품명을 기반으로 </a:t>
             </a:r>
             <a:r>
-              <a:rPr lang="en-US" altLang="ko-KR" dirty="0"/>
+              <a:rPr lang="en-US" altLang="ko-KR" dirty="0">
+                <a:latin typeface="나눔스퀘어OTF" panose="020B0600000101010101" pitchFamily="34" charset="-127"/>
+                <a:ea typeface="나눔스퀘어OTF" panose="020B0600000101010101" pitchFamily="34" charset="-127"/>
+              </a:rPr>
               <a:t>Product Name (a) </a:t>
             </a:r>
             <a:r>
-              <a:rPr lang="ko-KR" altLang="en-US" dirty="0"/>
+              <a:rPr lang="ko-KR" altLang="en-US" dirty="0">
+                <a:latin typeface="나눔스퀘어OTF" panose="020B0600000101010101" pitchFamily="34" charset="-127"/>
+                <a:ea typeface="나눔스퀘어OTF" panose="020B0600000101010101" pitchFamily="34" charset="-127"/>
+              </a:rPr>
               <a:t>을 확인합니다</a:t>
             </a:r>
             <a:r>
-              <a:rPr lang="en-US" altLang="ko-KR" dirty="0"/>
+              <a:rPr lang="en-US" altLang="ko-KR" dirty="0">
+                <a:latin typeface="나눔스퀘어OTF" panose="020B0600000101010101" pitchFamily="34" charset="-127"/>
+                <a:ea typeface="나눔스퀘어OTF" panose="020B0600000101010101" pitchFamily="34" charset="-127"/>
+              </a:rPr>
               <a:t>.</a:t>
             </a:r>
           </a:p>
@@ -3177,27 +3254,45 @@
               <a:buNone/>
             </a:pPr>
             <a:r>
-              <a:rPr lang="ko-KR" altLang="en-US" dirty="0"/>
+              <a:rPr lang="ko-KR" altLang="en-US" dirty="0">
+                <a:latin typeface="나눔스퀘어OTF" panose="020B0600000101010101" pitchFamily="34" charset="-127"/>
+                <a:ea typeface="나눔스퀘어OTF" panose="020B0600000101010101" pitchFamily="34" charset="-127"/>
+              </a:rPr>
               <a:t>동시에 해당 제품이 속한 </a:t>
             </a:r>
             <a:r>
-              <a:rPr lang="en-US" altLang="ko-KR" dirty="0"/>
+              <a:rPr lang="en-US" altLang="ko-KR" dirty="0">
+                <a:latin typeface="나눔스퀘어OTF" panose="020B0600000101010101" pitchFamily="34" charset="-127"/>
+                <a:ea typeface="나눔스퀘어OTF" panose="020B0600000101010101" pitchFamily="34" charset="-127"/>
+              </a:rPr>
               <a:t>Product Category (b) </a:t>
             </a:r>
             <a:r>
-              <a:rPr lang="ko-KR" altLang="en-US" dirty="0"/>
+              <a:rPr lang="ko-KR" altLang="en-US" dirty="0">
+                <a:latin typeface="나눔스퀘어OTF" panose="020B0600000101010101" pitchFamily="34" charset="-127"/>
+                <a:ea typeface="나눔스퀘어OTF" panose="020B0600000101010101" pitchFamily="34" charset="-127"/>
+              </a:rPr>
               <a:t>도 함께 조회하여</a:t>
             </a:r>
             <a:r>
-              <a:rPr lang="en-US" altLang="ko-KR" dirty="0"/>
+              <a:rPr lang="en-US" altLang="ko-KR" dirty="0">
+                <a:latin typeface="나눔스퀘어OTF" panose="020B0600000101010101" pitchFamily="34" charset="-127"/>
+                <a:ea typeface="나눔스퀘어OTF" panose="020B0600000101010101" pitchFamily="34" charset="-127"/>
+              </a:rPr>
               <a:t>, </a:t>
             </a:r>
             <a:r>
-              <a:rPr lang="ko-KR" altLang="en-US" dirty="0"/>
+              <a:rPr lang="ko-KR" altLang="en-US" dirty="0">
+                <a:latin typeface="나눔스퀘어OTF" panose="020B0600000101010101" pitchFamily="34" charset="-127"/>
+                <a:ea typeface="나눔스퀘어OTF" panose="020B0600000101010101" pitchFamily="34" charset="-127"/>
+              </a:rPr>
               <a:t>문의 유형의 정확도를 높입니다</a:t>
             </a:r>
             <a:r>
-              <a:rPr lang="en-US" altLang="ko-KR" dirty="0"/>
+              <a:rPr lang="en-US" altLang="ko-KR" dirty="0">
+                <a:latin typeface="나눔스퀘어OTF" panose="020B0600000101010101" pitchFamily="34" charset="-127"/>
+                <a:ea typeface="나눔스퀘어OTF" panose="020B0600000101010101" pitchFamily="34" charset="-127"/>
+              </a:rPr>
               <a:t>.</a:t>
             </a:r>
           </a:p>
@@ -3206,15 +3301,24 @@
               <a:buNone/>
             </a:pPr>
             <a:r>
-              <a:rPr lang="ko-KR" altLang="en-US" dirty="0"/>
+              <a:rPr lang="ko-KR" altLang="en-US" dirty="0">
+                <a:latin typeface="나눔스퀘어OTF" panose="020B0600000101010101" pitchFamily="34" charset="-127"/>
+                <a:ea typeface="나눔스퀘어OTF" panose="020B0600000101010101" pitchFamily="34" charset="-127"/>
+              </a:rPr>
               <a:t>🔹 </a:t>
             </a:r>
             <a:r>
-              <a:rPr lang="en-US" altLang="ko-KR" dirty="0"/>
+              <a:rPr lang="en-US" altLang="ko-KR" dirty="0">
+                <a:latin typeface="나눔스퀘어OTF" panose="020B0600000101010101" pitchFamily="34" charset="-127"/>
+                <a:ea typeface="나눔스퀘어OTF" panose="020B0600000101010101" pitchFamily="34" charset="-127"/>
+              </a:rPr>
               <a:t>2. </a:t>
             </a:r>
             <a:r>
-              <a:rPr lang="ko-KR" altLang="en-US" dirty="0"/>
+              <a:rPr lang="ko-KR" altLang="en-US" dirty="0">
+                <a:latin typeface="나눔스퀘어OTF" panose="020B0600000101010101" pitchFamily="34" charset="-127"/>
+                <a:ea typeface="나눔스퀘어OTF" panose="020B0600000101010101" pitchFamily="34" charset="-127"/>
+              </a:rPr>
               <a:t>고객 문의 파악</a:t>
             </a:r>
           </a:p>
@@ -3223,19 +3327,31 @@
               <a:buNone/>
             </a:pPr>
             <a:r>
-              <a:rPr lang="ko-KR" altLang="en-US" dirty="0"/>
+              <a:rPr lang="ko-KR" altLang="en-US" dirty="0">
+                <a:latin typeface="나눔스퀘어OTF" panose="020B0600000101010101" pitchFamily="34" charset="-127"/>
+                <a:ea typeface="나눔스퀘어OTF" panose="020B0600000101010101" pitchFamily="34" charset="-127"/>
+              </a:rPr>
               <a:t>고객의 표현에서 실제로 궁금한 핵심 내용을 </a:t>
             </a:r>
             <a:r>
-              <a:rPr lang="en-US" altLang="ko-KR" dirty="0"/>
+              <a:rPr lang="en-US" altLang="ko-KR" dirty="0">
+                <a:latin typeface="나눔스퀘어OTF" panose="020B0600000101010101" pitchFamily="34" charset="-127"/>
+                <a:ea typeface="나눔스퀘어OTF" panose="020B0600000101010101" pitchFamily="34" charset="-127"/>
+              </a:rPr>
               <a:t>Inquiry Content (c) </a:t>
             </a:r>
             <a:r>
-              <a:rPr lang="ko-KR" altLang="en-US" dirty="0"/>
+              <a:rPr lang="ko-KR" altLang="en-US" dirty="0">
+                <a:latin typeface="나눔스퀘어OTF" panose="020B0600000101010101" pitchFamily="34" charset="-127"/>
+                <a:ea typeface="나눔스퀘어OTF" panose="020B0600000101010101" pitchFamily="34" charset="-127"/>
+              </a:rPr>
               <a:t>항목으로 분류합니다</a:t>
             </a:r>
             <a:r>
-              <a:rPr lang="en-US" altLang="ko-KR" dirty="0"/>
+              <a:rPr lang="en-US" altLang="ko-KR" dirty="0">
+                <a:latin typeface="나눔스퀘어OTF" panose="020B0600000101010101" pitchFamily="34" charset="-127"/>
+                <a:ea typeface="나눔스퀘어OTF" panose="020B0600000101010101" pitchFamily="34" charset="-127"/>
+              </a:rPr>
               <a:t>.</a:t>
             </a:r>
           </a:p>
@@ -3244,19 +3360,31 @@
               <a:buNone/>
             </a:pPr>
             <a:r>
-              <a:rPr lang="ko-KR" altLang="en-US" dirty="0"/>
+              <a:rPr lang="ko-KR" altLang="en-US" dirty="0">
+                <a:latin typeface="나눔스퀘어OTF" panose="020B0600000101010101" pitchFamily="34" charset="-127"/>
+                <a:ea typeface="나눔스퀘어OTF" panose="020B0600000101010101" pitchFamily="34" charset="-127"/>
+              </a:rPr>
               <a:t>고객이 표현한 문장을 자연어 처리</a:t>
             </a:r>
             <a:r>
-              <a:rPr lang="en-US" altLang="ko-KR" dirty="0"/>
+              <a:rPr lang="en-US" altLang="ko-KR" dirty="0">
+                <a:latin typeface="나눔스퀘어OTF" panose="020B0600000101010101" pitchFamily="34" charset="-127"/>
+                <a:ea typeface="나눔스퀘어OTF" panose="020B0600000101010101" pitchFamily="34" charset="-127"/>
+              </a:rPr>
               <a:t>(NLP) </a:t>
             </a:r>
             <a:r>
-              <a:rPr lang="ko-KR" altLang="en-US" dirty="0"/>
+              <a:rPr lang="ko-KR" altLang="en-US" dirty="0">
+                <a:latin typeface="나눔스퀘어OTF" panose="020B0600000101010101" pitchFamily="34" charset="-127"/>
+                <a:ea typeface="나눔스퀘어OTF" panose="020B0600000101010101" pitchFamily="34" charset="-127"/>
+              </a:rPr>
               <a:t>기술로 해석하여 의도를 파악합니다</a:t>
             </a:r>
             <a:r>
-              <a:rPr lang="en-US" altLang="ko-KR" dirty="0"/>
+              <a:rPr lang="en-US" altLang="ko-KR" dirty="0">
+                <a:latin typeface="나눔스퀘어OTF" panose="020B0600000101010101" pitchFamily="34" charset="-127"/>
+                <a:ea typeface="나눔스퀘어OTF" panose="020B0600000101010101" pitchFamily="34" charset="-127"/>
+              </a:rPr>
               <a:t>.</a:t>
             </a:r>
           </a:p>
@@ -3265,15 +3393,24 @@
               <a:buNone/>
             </a:pPr>
             <a:r>
-              <a:rPr lang="ko-KR" altLang="en-US" dirty="0"/>
+              <a:rPr lang="ko-KR" altLang="en-US" dirty="0">
+                <a:latin typeface="나눔스퀘어OTF" panose="020B0600000101010101" pitchFamily="34" charset="-127"/>
+                <a:ea typeface="나눔스퀘어OTF" panose="020B0600000101010101" pitchFamily="34" charset="-127"/>
+              </a:rPr>
               <a:t>🔹 </a:t>
             </a:r>
             <a:r>
-              <a:rPr lang="en-US" altLang="ko-KR" dirty="0"/>
+              <a:rPr lang="en-US" altLang="ko-KR" dirty="0">
+                <a:latin typeface="나눔스퀘어OTF" panose="020B0600000101010101" pitchFamily="34" charset="-127"/>
+                <a:ea typeface="나눔스퀘어OTF" panose="020B0600000101010101" pitchFamily="34" charset="-127"/>
+              </a:rPr>
               <a:t>3. </a:t>
             </a:r>
             <a:r>
-              <a:rPr lang="ko-KR" altLang="en-US" dirty="0"/>
+              <a:rPr lang="ko-KR" altLang="en-US" dirty="0">
+                <a:latin typeface="나눔스퀘어OTF" panose="020B0600000101010101" pitchFamily="34" charset="-127"/>
+                <a:ea typeface="나눔스퀘어OTF" panose="020B0600000101010101" pitchFamily="34" charset="-127"/>
+              </a:rPr>
               <a:t>응답 구성 시작</a:t>
             </a:r>
           </a:p>
@@ -3282,35 +3419,59 @@
               <a:buNone/>
             </a:pPr>
             <a:r>
-              <a:rPr lang="ko-KR" altLang="en-US" dirty="0"/>
+              <a:rPr lang="ko-KR" altLang="en-US" dirty="0">
+                <a:latin typeface="나눔스퀘어OTF" panose="020B0600000101010101" pitchFamily="34" charset="-127"/>
+                <a:ea typeface="나눔스퀘어OTF" panose="020B0600000101010101" pitchFamily="34" charset="-127"/>
+              </a:rPr>
               <a:t>응대의 시작 문구는 항상 </a:t>
             </a:r>
             <a:r>
-              <a:rPr lang="en-US" altLang="ko-KR" dirty="0"/>
+              <a:rPr lang="en-US" altLang="ko-KR" dirty="0">
+                <a:latin typeface="나눔스퀘어OTF" panose="020B0600000101010101" pitchFamily="34" charset="-127"/>
+                <a:ea typeface="나눔스퀘어OTF" panose="020B0600000101010101" pitchFamily="34" charset="-127"/>
+              </a:rPr>
               <a:t>Answer Start (d) </a:t>
             </a:r>
             <a:r>
-              <a:rPr lang="ko-KR" altLang="en-US" dirty="0"/>
+              <a:rPr lang="ko-KR" altLang="en-US" dirty="0">
+                <a:latin typeface="나눔스퀘어OTF" panose="020B0600000101010101" pitchFamily="34" charset="-127"/>
+                <a:ea typeface="나눔스퀘어OTF" panose="020B0600000101010101" pitchFamily="34" charset="-127"/>
+              </a:rPr>
               <a:t>에 있는 내용을 기반으로 작성되며</a:t>
             </a:r>
             <a:r>
-              <a:rPr lang="en-US" altLang="ko-KR" dirty="0"/>
+              <a:rPr lang="en-US" altLang="ko-KR" dirty="0">
+                <a:latin typeface="나눔스퀘어OTF" panose="020B0600000101010101" pitchFamily="34" charset="-127"/>
+                <a:ea typeface="나눔스퀘어OTF" panose="020B0600000101010101" pitchFamily="34" charset="-127"/>
+              </a:rPr>
               <a:t>, </a:t>
             </a:r>
             <a:r>
-              <a:rPr lang="ko-KR" altLang="en-US" dirty="0"/>
+              <a:rPr lang="ko-KR" altLang="en-US" dirty="0">
+                <a:latin typeface="나눔스퀘어OTF" panose="020B0600000101010101" pitchFamily="34" charset="-127"/>
+                <a:ea typeface="나눔스퀘어OTF" panose="020B0600000101010101" pitchFamily="34" charset="-127"/>
+              </a:rPr>
               <a:t>브랜드 </a:t>
             </a:r>
             <a:r>
-              <a:rPr lang="ko-KR" altLang="en-US" dirty="0" err="1"/>
+              <a:rPr lang="ko-KR" altLang="en-US" dirty="0" err="1">
+                <a:latin typeface="나눔스퀘어OTF" panose="020B0600000101010101" pitchFamily="34" charset="-127"/>
+                <a:ea typeface="나눔스퀘어OTF" panose="020B0600000101010101" pitchFamily="34" charset="-127"/>
+              </a:rPr>
               <a:t>톤앤매너에</a:t>
             </a:r>
             <a:r>
-              <a:rPr lang="ko-KR" altLang="en-US" dirty="0"/>
+              <a:rPr lang="ko-KR" altLang="en-US" dirty="0">
+                <a:latin typeface="나눔스퀘어OTF" panose="020B0600000101010101" pitchFamily="34" charset="-127"/>
+                <a:ea typeface="나눔스퀘어OTF" panose="020B0600000101010101" pitchFamily="34" charset="-127"/>
+              </a:rPr>
               <a:t> 맞춰 시작합니다</a:t>
             </a:r>
             <a:r>
-              <a:rPr lang="en-US" altLang="ko-KR" dirty="0"/>
+              <a:rPr lang="en-US" altLang="ko-KR" dirty="0">
+                <a:latin typeface="나눔스퀘어OTF" panose="020B0600000101010101" pitchFamily="34" charset="-127"/>
+                <a:ea typeface="나눔스퀘어OTF" panose="020B0600000101010101" pitchFamily="34" charset="-127"/>
+              </a:rPr>
               <a:t>.</a:t>
             </a:r>
           </a:p>
@@ -3319,27 +3480,45 @@
               <a:buNone/>
             </a:pPr>
             <a:r>
-              <a:rPr lang="ko-KR" altLang="en-US" dirty="0"/>
+              <a:rPr lang="ko-KR" altLang="en-US" dirty="0">
+                <a:latin typeface="나눔스퀘어OTF" panose="020B0600000101010101" pitchFamily="34" charset="-127"/>
+                <a:ea typeface="나눔스퀘어OTF" panose="020B0600000101010101" pitchFamily="34" charset="-127"/>
+              </a:rPr>
               <a:t>예</a:t>
             </a:r>
             <a:r>
-              <a:rPr lang="en-US" altLang="ko-KR" dirty="0"/>
+              <a:rPr lang="en-US" altLang="ko-KR" dirty="0">
+                <a:latin typeface="나눔스퀘어OTF" panose="020B0600000101010101" pitchFamily="34" charset="-127"/>
+                <a:ea typeface="나눔스퀘어OTF" panose="020B0600000101010101" pitchFamily="34" charset="-127"/>
+              </a:rPr>
               <a:t>) “</a:t>
             </a:r>
             <a:r>
-              <a:rPr lang="ko-KR" altLang="en-US" dirty="0"/>
+              <a:rPr lang="ko-KR" altLang="en-US" dirty="0">
+                <a:latin typeface="나눔스퀘어OTF" panose="020B0600000101010101" pitchFamily="34" charset="-127"/>
+                <a:ea typeface="나눔스퀘어OTF" panose="020B0600000101010101" pitchFamily="34" charset="-127"/>
+              </a:rPr>
               <a:t>안녕하세요 고객님 </a:t>
             </a:r>
             <a:r>
-              <a:rPr lang="en-US" altLang="ko-KR" dirty="0"/>
+              <a:rPr lang="en-US" altLang="ko-KR" dirty="0">
+                <a:latin typeface="나눔스퀘어OTF" panose="020B0600000101010101" pitchFamily="34" charset="-127"/>
+                <a:ea typeface="나눔스퀘어OTF" panose="020B0600000101010101" pitchFamily="34" charset="-127"/>
+              </a:rPr>
               <a:t>0000 </a:t>
             </a:r>
             <a:r>
-              <a:rPr lang="ko-KR" altLang="en-US" dirty="0"/>
+              <a:rPr lang="ko-KR" altLang="en-US" dirty="0">
+                <a:latin typeface="나눔스퀘어OTF" panose="020B0600000101010101" pitchFamily="34" charset="-127"/>
+                <a:ea typeface="나눔스퀘어OTF" panose="020B0600000101010101" pitchFamily="34" charset="-127"/>
+              </a:rPr>
               <a:t>업체입니다 등 </a:t>
             </a:r>
             <a:r>
-              <a:rPr lang="en-US" altLang="ko-KR" dirty="0"/>
+              <a:rPr lang="en-US" altLang="ko-KR" dirty="0">
+                <a:latin typeface="나눔스퀘어OTF" panose="020B0600000101010101" pitchFamily="34" charset="-127"/>
+                <a:ea typeface="나눔스퀘어OTF" panose="020B0600000101010101" pitchFamily="34" charset="-127"/>
+              </a:rPr>
               <a:t>.”</a:t>
             </a:r>
           </a:p>
@@ -3348,15 +3527,24 @@
               <a:buNone/>
             </a:pPr>
             <a:r>
-              <a:rPr lang="ko-KR" altLang="en-US" dirty="0"/>
+              <a:rPr lang="ko-KR" altLang="en-US" dirty="0">
+                <a:latin typeface="나눔스퀘어OTF" panose="020B0600000101010101" pitchFamily="34" charset="-127"/>
+                <a:ea typeface="나눔스퀘어OTF" panose="020B0600000101010101" pitchFamily="34" charset="-127"/>
+              </a:rPr>
               <a:t>🔹 </a:t>
             </a:r>
             <a:r>
-              <a:rPr lang="en-US" altLang="ko-KR" dirty="0"/>
+              <a:rPr lang="en-US" altLang="ko-KR" dirty="0">
+                <a:latin typeface="나눔스퀘어OTF" panose="020B0600000101010101" pitchFamily="34" charset="-127"/>
+                <a:ea typeface="나눔스퀘어OTF" panose="020B0600000101010101" pitchFamily="34" charset="-127"/>
+              </a:rPr>
               <a:t>4. </a:t>
             </a:r>
             <a:r>
-              <a:rPr lang="ko-KR" altLang="en-US" dirty="0"/>
+              <a:rPr lang="ko-KR" altLang="en-US" dirty="0">
+                <a:latin typeface="나눔스퀘어OTF" panose="020B0600000101010101" pitchFamily="34" charset="-127"/>
+                <a:ea typeface="나눔스퀘어OTF" panose="020B0600000101010101" pitchFamily="34" charset="-127"/>
+              </a:rPr>
               <a:t>메인 답변 구성</a:t>
             </a:r>
           </a:p>
@@ -3365,19 +3553,31 @@
               <a:buNone/>
             </a:pPr>
             <a:r>
-              <a:rPr lang="ko-KR" altLang="en-US" dirty="0"/>
+              <a:rPr lang="ko-KR" altLang="en-US" dirty="0">
+                <a:latin typeface="나눔스퀘어OTF" panose="020B0600000101010101" pitchFamily="34" charset="-127"/>
+                <a:ea typeface="나눔스퀘어OTF" panose="020B0600000101010101" pitchFamily="34" charset="-127"/>
+              </a:rPr>
               <a:t>고객 문의에 대한 본문 설명은 </a:t>
             </a:r>
             <a:r>
-              <a:rPr lang="en-US" altLang="ko-KR" dirty="0"/>
+              <a:rPr lang="en-US" altLang="ko-KR" dirty="0">
+                <a:latin typeface="나눔스퀘어OTF" panose="020B0600000101010101" pitchFamily="34" charset="-127"/>
+                <a:ea typeface="나눔스퀘어OTF" panose="020B0600000101010101" pitchFamily="34" charset="-127"/>
+              </a:rPr>
               <a:t>Answer Content (e) </a:t>
             </a:r>
             <a:r>
-              <a:rPr lang="ko-KR" altLang="en-US" dirty="0"/>
+              <a:rPr lang="ko-KR" altLang="en-US" dirty="0">
+                <a:latin typeface="나눔스퀘어OTF" panose="020B0600000101010101" pitchFamily="34" charset="-127"/>
+                <a:ea typeface="나눔스퀘어OTF" panose="020B0600000101010101" pitchFamily="34" charset="-127"/>
+              </a:rPr>
               <a:t>를 바탕으로 작성됩니다</a:t>
             </a:r>
             <a:r>
-              <a:rPr lang="en-US" altLang="ko-KR" dirty="0"/>
+              <a:rPr lang="en-US" altLang="ko-KR" dirty="0">
+                <a:latin typeface="나눔스퀘어OTF" panose="020B0600000101010101" pitchFamily="34" charset="-127"/>
+                <a:ea typeface="나눔스퀘어OTF" panose="020B0600000101010101" pitchFamily="34" charset="-127"/>
+              </a:rPr>
               <a:t>.</a:t>
             </a:r>
           </a:p>
@@ -3386,27 +3586,45 @@
               <a:buNone/>
             </a:pPr>
             <a:r>
-              <a:rPr lang="ko-KR" altLang="en-US" dirty="0"/>
+              <a:rPr lang="ko-KR" altLang="en-US" dirty="0">
+                <a:latin typeface="나눔스퀘어OTF" panose="020B0600000101010101" pitchFamily="34" charset="-127"/>
+                <a:ea typeface="나눔스퀘어OTF" panose="020B0600000101010101" pitchFamily="34" charset="-127"/>
+              </a:rPr>
               <a:t>기술적인 설명</a:t>
             </a:r>
             <a:r>
-              <a:rPr lang="en-US" altLang="ko-KR" dirty="0"/>
+              <a:rPr lang="en-US" altLang="ko-KR" dirty="0">
+                <a:latin typeface="나눔스퀘어OTF" panose="020B0600000101010101" pitchFamily="34" charset="-127"/>
+                <a:ea typeface="나눔스퀘어OTF" panose="020B0600000101010101" pitchFamily="34" charset="-127"/>
+              </a:rPr>
               <a:t>, </a:t>
             </a:r>
             <a:r>
-              <a:rPr lang="ko-KR" altLang="en-US" dirty="0"/>
+              <a:rPr lang="ko-KR" altLang="en-US" dirty="0">
+                <a:latin typeface="나눔스퀘어OTF" panose="020B0600000101010101" pitchFamily="34" charset="-127"/>
+                <a:ea typeface="나눔스퀘어OTF" panose="020B0600000101010101" pitchFamily="34" charset="-127"/>
+              </a:rPr>
               <a:t>기능 안내</a:t>
             </a:r>
             <a:r>
-              <a:rPr lang="en-US" altLang="ko-KR" dirty="0"/>
+              <a:rPr lang="en-US" altLang="ko-KR" dirty="0">
+                <a:latin typeface="나눔스퀘어OTF" panose="020B0600000101010101" pitchFamily="34" charset="-127"/>
+                <a:ea typeface="나눔스퀘어OTF" panose="020B0600000101010101" pitchFamily="34" charset="-127"/>
+              </a:rPr>
               <a:t>, </a:t>
             </a:r>
             <a:r>
-              <a:rPr lang="ko-KR" altLang="en-US" dirty="0"/>
+              <a:rPr lang="ko-KR" altLang="en-US" dirty="0">
+                <a:latin typeface="나눔스퀘어OTF" panose="020B0600000101010101" pitchFamily="34" charset="-127"/>
+                <a:ea typeface="나눔스퀘어OTF" panose="020B0600000101010101" pitchFamily="34" charset="-127"/>
+              </a:rPr>
               <a:t>유의사항 등이 포함되며 최대한 상세히 전달됩니다</a:t>
             </a:r>
             <a:r>
-              <a:rPr lang="en-US" altLang="ko-KR" dirty="0"/>
+              <a:rPr lang="en-US" altLang="ko-KR" dirty="0">
+                <a:latin typeface="나눔스퀘어OTF" panose="020B0600000101010101" pitchFamily="34" charset="-127"/>
+                <a:ea typeface="나눔스퀘어OTF" panose="020B0600000101010101" pitchFamily="34" charset="-127"/>
+              </a:rPr>
               <a:t>.</a:t>
             </a:r>
           </a:p>
@@ -3415,15 +3633,24 @@
               <a:buNone/>
             </a:pPr>
             <a:r>
-              <a:rPr lang="ko-KR" altLang="en-US" dirty="0"/>
+              <a:rPr lang="ko-KR" altLang="en-US" dirty="0">
+                <a:latin typeface="나눔스퀘어OTF" panose="020B0600000101010101" pitchFamily="34" charset="-127"/>
+                <a:ea typeface="나눔스퀘어OTF" panose="020B0600000101010101" pitchFamily="34" charset="-127"/>
+              </a:rPr>
               <a:t>🔹 </a:t>
             </a:r>
             <a:r>
-              <a:rPr lang="en-US" altLang="ko-KR" dirty="0"/>
+              <a:rPr lang="en-US" altLang="ko-KR" dirty="0">
+                <a:latin typeface="나눔스퀘어OTF" panose="020B0600000101010101" pitchFamily="34" charset="-127"/>
+                <a:ea typeface="나눔스퀘어OTF" panose="020B0600000101010101" pitchFamily="34" charset="-127"/>
+              </a:rPr>
               <a:t>5. </a:t>
             </a:r>
             <a:r>
-              <a:rPr lang="ko-KR" altLang="en-US" dirty="0"/>
+              <a:rPr lang="ko-KR" altLang="en-US" dirty="0">
+                <a:latin typeface="나눔스퀘어OTF" panose="020B0600000101010101" pitchFamily="34" charset="-127"/>
+                <a:ea typeface="나눔스퀘어OTF" panose="020B0600000101010101" pitchFamily="34" charset="-127"/>
+              </a:rPr>
               <a:t>답변 마무리</a:t>
             </a:r>
           </a:p>
@@ -3432,19 +3659,31 @@
               <a:buNone/>
             </a:pPr>
             <a:r>
-              <a:rPr lang="ko-KR" altLang="en-US" dirty="0"/>
+              <a:rPr lang="ko-KR" altLang="en-US" dirty="0">
+                <a:latin typeface="나눔스퀘어OTF" panose="020B0600000101010101" pitchFamily="34" charset="-127"/>
+                <a:ea typeface="나눔스퀘어OTF" panose="020B0600000101010101" pitchFamily="34" charset="-127"/>
+              </a:rPr>
               <a:t>고객 응대 종료 시에는 </a:t>
             </a:r>
             <a:r>
-              <a:rPr lang="en-US" altLang="ko-KR" dirty="0"/>
+              <a:rPr lang="en-US" altLang="ko-KR" dirty="0">
+                <a:latin typeface="나눔스퀘어OTF" panose="020B0600000101010101" pitchFamily="34" charset="-127"/>
+                <a:ea typeface="나눔스퀘어OTF" panose="020B0600000101010101" pitchFamily="34" charset="-127"/>
+              </a:rPr>
               <a:t>Answer Closing (f) </a:t>
             </a:r>
             <a:r>
-              <a:rPr lang="ko-KR" altLang="en-US" dirty="0"/>
+              <a:rPr lang="ko-KR" altLang="en-US" dirty="0">
+                <a:latin typeface="나눔스퀘어OTF" panose="020B0600000101010101" pitchFamily="34" charset="-127"/>
+                <a:ea typeface="나눔스퀘어OTF" panose="020B0600000101010101" pitchFamily="34" charset="-127"/>
+              </a:rPr>
               <a:t>내용을 활용하여 정중하고 일관성 있는 마무리 멘트를 제공합니다</a:t>
             </a:r>
             <a:r>
-              <a:rPr lang="en-US" altLang="ko-KR" dirty="0"/>
+              <a:rPr lang="en-US" altLang="ko-KR" dirty="0">
+                <a:latin typeface="나눔스퀘어OTF" panose="020B0600000101010101" pitchFamily="34" charset="-127"/>
+                <a:ea typeface="나눔스퀘어OTF" panose="020B0600000101010101" pitchFamily="34" charset="-127"/>
+              </a:rPr>
               <a:t>.</a:t>
             </a:r>
           </a:p>
@@ -3453,27 +3692,45 @@
               <a:buNone/>
             </a:pPr>
             <a:r>
-              <a:rPr lang="ko-KR" altLang="en-US" dirty="0"/>
+              <a:rPr lang="ko-KR" altLang="en-US" dirty="0">
+                <a:latin typeface="나눔스퀘어OTF" panose="020B0600000101010101" pitchFamily="34" charset="-127"/>
+                <a:ea typeface="나눔스퀘어OTF" panose="020B0600000101010101" pitchFamily="34" charset="-127"/>
+              </a:rPr>
               <a:t>예</a:t>
             </a:r>
             <a:r>
-              <a:rPr lang="en-US" altLang="ko-KR" dirty="0"/>
+              <a:rPr lang="en-US" altLang="ko-KR" dirty="0">
+                <a:latin typeface="나눔스퀘어OTF" panose="020B0600000101010101" pitchFamily="34" charset="-127"/>
+                <a:ea typeface="나눔스퀘어OTF" panose="020B0600000101010101" pitchFamily="34" charset="-127"/>
+              </a:rPr>
               <a:t>) “</a:t>
             </a:r>
             <a:r>
-              <a:rPr lang="ko-KR" altLang="en-US" dirty="0"/>
+              <a:rPr lang="ko-KR" altLang="en-US" dirty="0">
+                <a:latin typeface="나눔스퀘어OTF" panose="020B0600000101010101" pitchFamily="34" charset="-127"/>
+                <a:ea typeface="나눔스퀘어OTF" panose="020B0600000101010101" pitchFamily="34" charset="-127"/>
+              </a:rPr>
               <a:t>이외 궁금하신 내용은 언제든지 고객센터 </a:t>
             </a:r>
             <a:r>
-              <a:rPr lang="en-US" altLang="ko-KR" dirty="0"/>
+              <a:rPr lang="en-US" altLang="ko-KR" dirty="0">
+                <a:latin typeface="나눔스퀘어OTF" panose="020B0600000101010101" pitchFamily="34" charset="-127"/>
+                <a:ea typeface="나눔스퀘어OTF" panose="020B0600000101010101" pitchFamily="34" charset="-127"/>
+              </a:rPr>
               <a:t>(0000-0000) </a:t>
             </a:r>
             <a:r>
-              <a:rPr lang="ko-KR" altLang="en-US" dirty="0"/>
+              <a:rPr lang="ko-KR" altLang="en-US" dirty="0">
+                <a:latin typeface="나눔스퀘어OTF" panose="020B0600000101010101" pitchFamily="34" charset="-127"/>
+                <a:ea typeface="나눔스퀘어OTF" panose="020B0600000101010101" pitchFamily="34" charset="-127"/>
+              </a:rPr>
               <a:t>으로 연락주세요 감사합니다</a:t>
             </a:r>
             <a:r>
-              <a:rPr lang="en-US" altLang="ko-KR" dirty="0"/>
+              <a:rPr lang="en-US" altLang="ko-KR" dirty="0">
+                <a:latin typeface="나눔스퀘어OTF" panose="020B0600000101010101" pitchFamily="34" charset="-127"/>
+                <a:ea typeface="나눔스퀘어OTF" panose="020B0600000101010101" pitchFamily="34" charset="-127"/>
+              </a:rPr>
               <a:t>.”</a:t>
             </a:r>
           </a:p>
@@ -3482,15 +3739,24 @@
               <a:buNone/>
             </a:pPr>
             <a:r>
-              <a:rPr lang="ko-KR" altLang="en-US" dirty="0"/>
+              <a:rPr lang="ko-KR" altLang="en-US" dirty="0">
+                <a:latin typeface="나눔스퀘어OTF" panose="020B0600000101010101" pitchFamily="34" charset="-127"/>
+                <a:ea typeface="나눔스퀘어OTF" panose="020B0600000101010101" pitchFamily="34" charset="-127"/>
+              </a:rPr>
               <a:t>🔹 </a:t>
             </a:r>
             <a:r>
-              <a:rPr lang="en-US" altLang="ko-KR" dirty="0"/>
+              <a:rPr lang="en-US" altLang="ko-KR" dirty="0">
+                <a:latin typeface="나눔스퀘어OTF" panose="020B0600000101010101" pitchFamily="34" charset="-127"/>
+                <a:ea typeface="나눔스퀘어OTF" panose="020B0600000101010101" pitchFamily="34" charset="-127"/>
+              </a:rPr>
               <a:t>6. </a:t>
             </a:r>
             <a:r>
-              <a:rPr lang="ko-KR" altLang="en-US" dirty="0"/>
+              <a:rPr lang="ko-KR" altLang="en-US" dirty="0">
+                <a:latin typeface="나눔스퀘어OTF" panose="020B0600000101010101" pitchFamily="34" charset="-127"/>
+                <a:ea typeface="나눔스퀘어OTF" panose="020B0600000101010101" pitchFamily="34" charset="-127"/>
+              </a:rPr>
               <a:t>내부용 처리 가이드 생성</a:t>
             </a:r>
           </a:p>
@@ -3499,23 +3765,38 @@
               <a:buNone/>
             </a:pPr>
             <a:r>
-              <a:rPr lang="ko-KR" altLang="en-US" dirty="0"/>
+              <a:rPr lang="ko-KR" altLang="en-US" dirty="0">
+                <a:latin typeface="나눔스퀘어OTF" panose="020B0600000101010101" pitchFamily="34" charset="-127"/>
+                <a:ea typeface="나눔스퀘어OTF" panose="020B0600000101010101" pitchFamily="34" charset="-127"/>
+              </a:rPr>
               <a:t>고객에게는 보여주지 않지만</a:t>
             </a:r>
             <a:r>
-              <a:rPr lang="en-US" altLang="ko-KR" dirty="0"/>
+              <a:rPr lang="en-US" altLang="ko-KR" dirty="0">
+                <a:latin typeface="나눔스퀘어OTF" panose="020B0600000101010101" pitchFamily="34" charset="-127"/>
+                <a:ea typeface="나눔스퀘어OTF" panose="020B0600000101010101" pitchFamily="34" charset="-127"/>
+              </a:rPr>
               <a:t>, </a:t>
             </a:r>
             <a:r>
-              <a:rPr lang="ko-KR" altLang="en-US" dirty="0"/>
+              <a:rPr lang="ko-KR" altLang="en-US" dirty="0">
+                <a:latin typeface="나눔스퀘어OTF" panose="020B0600000101010101" pitchFamily="34" charset="-127"/>
+                <a:ea typeface="나눔스퀘어OTF" panose="020B0600000101010101" pitchFamily="34" charset="-127"/>
+              </a:rPr>
               <a:t>내부 처리 담당자에게는 </a:t>
             </a:r>
             <a:r>
-              <a:rPr lang="en-US" altLang="ko-KR" dirty="0"/>
+              <a:rPr lang="en-US" altLang="ko-KR" dirty="0">
+                <a:latin typeface="나눔스퀘어OTF" panose="020B0600000101010101" pitchFamily="34" charset="-127"/>
+                <a:ea typeface="나눔스퀘어OTF" panose="020B0600000101010101" pitchFamily="34" charset="-127"/>
+              </a:rPr>
               <a:t>Handling Guide (Middle) (g) </a:t>
             </a:r>
             <a:r>
-              <a:rPr lang="ko-KR" altLang="en-US" dirty="0"/>
+              <a:rPr lang="ko-KR" altLang="en-US" dirty="0">
+                <a:latin typeface="나눔스퀘어OTF" panose="020B0600000101010101" pitchFamily="34" charset="-127"/>
+                <a:ea typeface="나눔스퀘어OTF" panose="020B0600000101010101" pitchFamily="34" charset="-127"/>
+              </a:rPr>
               <a:t>내용을 기반으로</a:t>
             </a:r>
           </a:p>
@@ -3524,19 +3805,31 @@
               <a:buNone/>
             </a:pPr>
             <a:r>
-              <a:rPr lang="ko-KR" altLang="en-US" dirty="0"/>
+              <a:rPr lang="ko-KR" altLang="en-US" dirty="0">
+                <a:latin typeface="나눔스퀘어OTF" panose="020B0600000101010101" pitchFamily="34" charset="-127"/>
+                <a:ea typeface="나눔스퀘어OTF" panose="020B0600000101010101" pitchFamily="34" charset="-127"/>
+              </a:rPr>
               <a:t>중간 단계에서 필요한 처리 절차</a:t>
             </a:r>
             <a:r>
-              <a:rPr lang="en-US" altLang="ko-KR" dirty="0"/>
+              <a:rPr lang="en-US" altLang="ko-KR" dirty="0">
+                <a:latin typeface="나눔스퀘어OTF" panose="020B0600000101010101" pitchFamily="34" charset="-127"/>
+                <a:ea typeface="나눔스퀘어OTF" panose="020B0600000101010101" pitchFamily="34" charset="-127"/>
+              </a:rPr>
               <a:t>, </a:t>
             </a:r>
             <a:r>
-              <a:rPr lang="ko-KR" altLang="en-US" dirty="0"/>
+              <a:rPr lang="ko-KR" altLang="en-US" dirty="0">
+                <a:latin typeface="나눔스퀘어OTF" panose="020B0600000101010101" pitchFamily="34" charset="-127"/>
+                <a:ea typeface="나눔스퀘어OTF" panose="020B0600000101010101" pitchFamily="34" charset="-127"/>
+              </a:rPr>
               <a:t>유의사항 등을 전달합니다</a:t>
             </a:r>
             <a:r>
-              <a:rPr lang="en-US" altLang="ko-KR" dirty="0"/>
+              <a:rPr lang="en-US" altLang="ko-KR" dirty="0">
+                <a:latin typeface="나눔스퀘어OTF" panose="020B0600000101010101" pitchFamily="34" charset="-127"/>
+                <a:ea typeface="나눔스퀘어OTF" panose="020B0600000101010101" pitchFamily="34" charset="-127"/>
+              </a:rPr>
               <a:t>.</a:t>
             </a:r>
           </a:p>
@@ -3544,7 +3837,10 @@
             <a:pPr>
               <a:buNone/>
             </a:pPr>
-            <a:endParaRPr lang="en-US" altLang="ko-KR" dirty="0"/>
+            <a:endParaRPr lang="en-US" altLang="ko-KR" dirty="0">
+              <a:latin typeface="나눔스퀘어OTF" panose="020B0600000101010101" pitchFamily="34" charset="-127"/>
+              <a:ea typeface="나눔스퀘어OTF" panose="020B0600000101010101" pitchFamily="34" charset="-127"/>
+            </a:endParaRPr>
           </a:p>
         </p:txBody>
       </p:sp>
@@ -3610,15 +3906,24 @@
               <a:buNone/>
             </a:pPr>
             <a:r>
-              <a:rPr lang="ko-KR" altLang="en-US" dirty="0"/>
+              <a:rPr lang="ko-KR" altLang="en-US" dirty="0">
+                <a:latin typeface="나눔스퀘어OTF" panose="020B0600000101010101" pitchFamily="34" charset="-127"/>
+                <a:ea typeface="나눔스퀘어OTF" panose="020B0600000101010101" pitchFamily="34" charset="-127"/>
+              </a:rPr>
               <a:t>🔹 </a:t>
             </a:r>
             <a:r>
-              <a:rPr lang="en-US" altLang="ko-KR" dirty="0"/>
+              <a:rPr lang="en-US" altLang="ko-KR" dirty="0">
+                <a:latin typeface="나눔스퀘어OTF" panose="020B0600000101010101" pitchFamily="34" charset="-127"/>
+                <a:ea typeface="나눔스퀘어OTF" panose="020B0600000101010101" pitchFamily="34" charset="-127"/>
+              </a:rPr>
               <a:t>7. </a:t>
             </a:r>
             <a:r>
-              <a:rPr lang="ko-KR" altLang="en-US" dirty="0"/>
+              <a:rPr lang="ko-KR" altLang="en-US" dirty="0">
+                <a:latin typeface="나눔스퀘어OTF" panose="020B0600000101010101" pitchFamily="34" charset="-127"/>
+                <a:ea typeface="나눔스퀘어OTF" panose="020B0600000101010101" pitchFamily="34" charset="-127"/>
+              </a:rPr>
               <a:t>접수 처리 방식 안내</a:t>
             </a:r>
           </a:p>
@@ -3627,15 +3932,24 @@
               <a:buNone/>
             </a:pPr>
             <a:r>
-              <a:rPr lang="ko-KR" altLang="en-US" dirty="0"/>
+              <a:rPr lang="ko-KR" altLang="en-US" dirty="0">
+                <a:latin typeface="나눔스퀘어OTF" panose="020B0600000101010101" pitchFamily="34" charset="-127"/>
+                <a:ea typeface="나눔스퀘어OTF" panose="020B0600000101010101" pitchFamily="34" charset="-127"/>
+              </a:rPr>
               <a:t>상담원이 최종 응대에 참고할 수 있도록 </a:t>
             </a:r>
             <a:r>
-              <a:rPr lang="en-US" altLang="ko-KR" dirty="0"/>
+              <a:rPr lang="en-US" altLang="ko-KR" dirty="0">
+                <a:latin typeface="나눔스퀘어OTF" panose="020B0600000101010101" pitchFamily="34" charset="-127"/>
+                <a:ea typeface="나눔스퀘어OTF" panose="020B0600000101010101" pitchFamily="34" charset="-127"/>
+              </a:rPr>
               <a:t>Reception Method (Senior) (h) </a:t>
             </a:r>
             <a:r>
-              <a:rPr lang="ko-KR" altLang="en-US" dirty="0"/>
+              <a:rPr lang="ko-KR" altLang="en-US" dirty="0">
+                <a:latin typeface="나눔스퀘어OTF" panose="020B0600000101010101" pitchFamily="34" charset="-127"/>
+                <a:ea typeface="나눔스퀘어OTF" panose="020B0600000101010101" pitchFamily="34" charset="-127"/>
+              </a:rPr>
               <a:t>를 활용하여</a:t>
             </a:r>
           </a:p>
@@ -3644,11 +3958,17 @@
               <a:buNone/>
             </a:pPr>
             <a:r>
-              <a:rPr lang="ko-KR" altLang="en-US" dirty="0"/>
+              <a:rPr lang="ko-KR" altLang="en-US" dirty="0">
+                <a:latin typeface="나눔스퀘어OTF" panose="020B0600000101010101" pitchFamily="34" charset="-127"/>
+                <a:ea typeface="나눔스퀘어OTF" panose="020B0600000101010101" pitchFamily="34" charset="-127"/>
+              </a:rPr>
               <a:t>어떤 방식으로 고객 요청을 정식 접수할지 제안합니다</a:t>
             </a:r>
             <a:r>
-              <a:rPr lang="en-US" altLang="ko-KR" dirty="0"/>
+              <a:rPr lang="en-US" altLang="ko-KR" dirty="0">
+                <a:latin typeface="나눔스퀘어OTF" panose="020B0600000101010101" pitchFamily="34" charset="-127"/>
+                <a:ea typeface="나눔스퀘어OTF" panose="020B0600000101010101" pitchFamily="34" charset="-127"/>
+              </a:rPr>
               <a:t>.</a:t>
             </a:r>
           </a:p>
@@ -3657,39 +3977,66 @@
               <a:buNone/>
             </a:pPr>
             <a:r>
-              <a:rPr lang="en-US" altLang="ko-KR" dirty="0"/>
+              <a:rPr lang="en-US" altLang="ko-KR" dirty="0">
+                <a:latin typeface="나눔스퀘어OTF" panose="020B0600000101010101" pitchFamily="34" charset="-127"/>
+                <a:ea typeface="나눔스퀘어OTF" panose="020B0600000101010101" pitchFamily="34" charset="-127"/>
+              </a:rPr>
               <a:t>(</a:t>
             </a:r>
             <a:r>
-              <a:rPr lang="ko-KR" altLang="en-US" dirty="0"/>
+              <a:rPr lang="ko-KR" altLang="en-US" dirty="0">
+                <a:latin typeface="나눔스퀘어OTF" panose="020B0600000101010101" pitchFamily="34" charset="-127"/>
+                <a:ea typeface="나눔스퀘어OTF" panose="020B0600000101010101" pitchFamily="34" charset="-127"/>
+              </a:rPr>
               <a:t>예</a:t>
             </a:r>
             <a:r>
-              <a:rPr lang="en-US" altLang="ko-KR" dirty="0"/>
+              <a:rPr lang="en-US" altLang="ko-KR" dirty="0">
+                <a:latin typeface="나눔스퀘어OTF" panose="020B0600000101010101" pitchFamily="34" charset="-127"/>
+                <a:ea typeface="나눔스퀘어OTF" panose="020B0600000101010101" pitchFamily="34" charset="-127"/>
+              </a:rPr>
               <a:t>: </a:t>
             </a:r>
             <a:r>
-              <a:rPr lang="ko-KR" altLang="en-US" dirty="0"/>
+              <a:rPr lang="ko-KR" altLang="en-US" dirty="0">
+                <a:latin typeface="나눔스퀘어OTF" panose="020B0600000101010101" pitchFamily="34" charset="-127"/>
+                <a:ea typeface="나눔스퀘어OTF" panose="020B0600000101010101" pitchFamily="34" charset="-127"/>
+              </a:rPr>
               <a:t>메일 접수</a:t>
             </a:r>
             <a:r>
-              <a:rPr lang="en-US" altLang="ko-KR" dirty="0"/>
+              <a:rPr lang="en-US" altLang="ko-KR" dirty="0">
+                <a:latin typeface="나눔스퀘어OTF" panose="020B0600000101010101" pitchFamily="34" charset="-127"/>
+                <a:ea typeface="나눔스퀘어OTF" panose="020B0600000101010101" pitchFamily="34" charset="-127"/>
+              </a:rPr>
               <a:t>, </a:t>
             </a:r>
             <a:r>
-              <a:rPr lang="ko-KR" altLang="en-US" dirty="0"/>
+              <a:rPr lang="ko-KR" altLang="en-US" dirty="0">
+                <a:latin typeface="나눔스퀘어OTF" panose="020B0600000101010101" pitchFamily="34" charset="-127"/>
+                <a:ea typeface="나눔스퀘어OTF" panose="020B0600000101010101" pitchFamily="34" charset="-127"/>
+              </a:rPr>
               <a:t>전화 응대</a:t>
             </a:r>
             <a:r>
-              <a:rPr lang="en-US" altLang="ko-KR" dirty="0"/>
+              <a:rPr lang="en-US" altLang="ko-KR" dirty="0">
+                <a:latin typeface="나눔스퀘어OTF" panose="020B0600000101010101" pitchFamily="34" charset="-127"/>
+                <a:ea typeface="나눔스퀘어OTF" panose="020B0600000101010101" pitchFamily="34" charset="-127"/>
+              </a:rPr>
               <a:t>, </a:t>
             </a:r>
             <a:r>
-              <a:rPr lang="ko-KR" altLang="en-US" dirty="0"/>
+              <a:rPr lang="ko-KR" altLang="en-US" dirty="0">
+                <a:latin typeface="나눔스퀘어OTF" panose="020B0600000101010101" pitchFamily="34" charset="-127"/>
+                <a:ea typeface="나눔스퀘어OTF" panose="020B0600000101010101" pitchFamily="34" charset="-127"/>
+              </a:rPr>
               <a:t>방문 안내 등</a:t>
             </a:r>
             <a:r>
-              <a:rPr lang="en-US" altLang="ko-KR" dirty="0"/>
+              <a:rPr lang="en-US" altLang="ko-KR" dirty="0">
+                <a:latin typeface="나눔스퀘어OTF" panose="020B0600000101010101" pitchFamily="34" charset="-127"/>
+                <a:ea typeface="나눔스퀘어OTF" panose="020B0600000101010101" pitchFamily="34" charset="-127"/>
+              </a:rPr>
               <a:t>)</a:t>
             </a:r>
           </a:p>
@@ -3698,15 +4045,24 @@
               <a:buNone/>
             </a:pPr>
             <a:r>
-              <a:rPr lang="ko-KR" altLang="en-US" dirty="0"/>
+              <a:rPr lang="ko-KR" altLang="en-US" dirty="0">
+                <a:latin typeface="나눔스퀘어OTF" panose="020B0600000101010101" pitchFamily="34" charset="-127"/>
+                <a:ea typeface="나눔스퀘어OTF" panose="020B0600000101010101" pitchFamily="34" charset="-127"/>
+              </a:rPr>
               <a:t>🔹 </a:t>
             </a:r>
             <a:r>
-              <a:rPr lang="en-US" altLang="ko-KR" dirty="0"/>
+              <a:rPr lang="en-US" altLang="ko-KR" dirty="0">
+                <a:latin typeface="나눔스퀘어OTF" panose="020B0600000101010101" pitchFamily="34" charset="-127"/>
+                <a:ea typeface="나눔스퀘어OTF" panose="020B0600000101010101" pitchFamily="34" charset="-127"/>
+              </a:rPr>
               <a:t>8. </a:t>
             </a:r>
             <a:r>
-              <a:rPr lang="ko-KR" altLang="en-US" dirty="0"/>
+              <a:rPr lang="ko-KR" altLang="en-US" dirty="0">
+                <a:latin typeface="나눔스퀘어OTF" panose="020B0600000101010101" pitchFamily="34" charset="-127"/>
+                <a:ea typeface="나눔스퀘어OTF" panose="020B0600000101010101" pitchFamily="34" charset="-127"/>
+              </a:rPr>
               <a:t>엔지니어 확인 여부 판별</a:t>
             </a:r>
           </a:p>
@@ -3715,11 +4071,17 @@
               <a:buNone/>
             </a:pPr>
             <a:r>
-              <a:rPr lang="en-US" altLang="ko-KR" dirty="0"/>
+              <a:rPr lang="en-US" altLang="ko-KR" dirty="0">
+                <a:latin typeface="나눔스퀘어OTF" panose="020B0600000101010101" pitchFamily="34" charset="-127"/>
+                <a:ea typeface="나눔스퀘어OTF" panose="020B0600000101010101" pitchFamily="34" charset="-127"/>
+              </a:rPr>
               <a:t>AI</a:t>
             </a:r>
             <a:r>
-              <a:rPr lang="ko-KR" altLang="en-US" dirty="0"/>
+              <a:rPr lang="ko-KR" altLang="en-US" dirty="0">
+                <a:latin typeface="나눔스퀘어OTF" panose="020B0600000101010101" pitchFamily="34" charset="-127"/>
+                <a:ea typeface="나눔스퀘어OTF" panose="020B0600000101010101" pitchFamily="34" charset="-127"/>
+              </a:rPr>
               <a:t>는 자체적으로 판단하여 기술적인 추가 검토가 필요한 경우</a:t>
             </a:r>
           </a:p>
@@ -3728,39 +4090,66 @@
               <a:buNone/>
             </a:pPr>
             <a:r>
-              <a:rPr lang="en-US" altLang="ko-KR" dirty="0"/>
+              <a:rPr lang="en-US" altLang="ko-KR" dirty="0">
+                <a:latin typeface="나눔스퀘어OTF" panose="020B0600000101010101" pitchFamily="34" charset="-127"/>
+                <a:ea typeface="나눔스퀘어OTF" panose="020B0600000101010101" pitchFamily="34" charset="-127"/>
+              </a:rPr>
               <a:t>Subject to further verification (Engineer) (</a:t>
             </a:r>
             <a:r>
-              <a:rPr lang="en-US" altLang="ko-KR" dirty="0" err="1"/>
+              <a:rPr lang="en-US" altLang="ko-KR" dirty="0" err="1">
+                <a:latin typeface="나눔스퀘어OTF" panose="020B0600000101010101" pitchFamily="34" charset="-127"/>
+                <a:ea typeface="나눔스퀘어OTF" panose="020B0600000101010101" pitchFamily="34" charset="-127"/>
+              </a:rPr>
               <a:t>i</a:t>
             </a:r>
             <a:r>
-              <a:rPr lang="en-US" altLang="ko-KR" dirty="0"/>
+              <a:rPr lang="en-US" altLang="ko-KR" dirty="0">
+                <a:latin typeface="나눔스퀘어OTF" panose="020B0600000101010101" pitchFamily="34" charset="-127"/>
+                <a:ea typeface="나눔스퀘어OTF" panose="020B0600000101010101" pitchFamily="34" charset="-127"/>
+              </a:rPr>
               <a:t>) </a:t>
             </a:r>
             <a:r>
-              <a:rPr lang="ko-KR" altLang="en-US" dirty="0"/>
+              <a:rPr lang="ko-KR" altLang="en-US" dirty="0">
+                <a:latin typeface="나눔스퀘어OTF" panose="020B0600000101010101" pitchFamily="34" charset="-127"/>
+                <a:ea typeface="나눔스퀘어OTF" panose="020B0600000101010101" pitchFamily="34" charset="-127"/>
+              </a:rPr>
               <a:t>항목을 확인하고 엔지니어 </a:t>
             </a:r>
             <a:r>
-              <a:rPr lang="en-US" altLang="ko-KR" dirty="0"/>
+              <a:rPr lang="en-US" altLang="ko-KR" dirty="0">
+                <a:latin typeface="나눔스퀘어OTF" panose="020B0600000101010101" pitchFamily="34" charset="-127"/>
+                <a:ea typeface="나눔스퀘어OTF" panose="020B0600000101010101" pitchFamily="34" charset="-127"/>
+              </a:rPr>
               <a:t>escalation(</a:t>
             </a:r>
             <a:r>
-              <a:rPr lang="ko-KR" altLang="en-US" dirty="0"/>
+              <a:rPr lang="ko-KR" altLang="en-US" dirty="0">
+                <a:latin typeface="나눔스퀘어OTF" panose="020B0600000101010101" pitchFamily="34" charset="-127"/>
+                <a:ea typeface="나눔스퀘어OTF" panose="020B0600000101010101" pitchFamily="34" charset="-127"/>
+              </a:rPr>
               <a:t>상위 이관</a:t>
             </a:r>
             <a:r>
-              <a:rPr lang="en-US" altLang="ko-KR" dirty="0"/>
+              <a:rPr lang="en-US" altLang="ko-KR" dirty="0">
+                <a:latin typeface="나눔스퀘어OTF" panose="020B0600000101010101" pitchFamily="34" charset="-127"/>
+                <a:ea typeface="나눔스퀘어OTF" panose="020B0600000101010101" pitchFamily="34" charset="-127"/>
+              </a:rPr>
               <a:t>)</a:t>
             </a:r>
             <a:r>
-              <a:rPr lang="ko-KR" altLang="en-US" dirty="0"/>
+              <a:rPr lang="ko-KR" altLang="en-US" dirty="0">
+                <a:latin typeface="나눔스퀘어OTF" panose="020B0600000101010101" pitchFamily="34" charset="-127"/>
+                <a:ea typeface="나눔스퀘어OTF" panose="020B0600000101010101" pitchFamily="34" charset="-127"/>
+              </a:rPr>
               <a:t>을 권고합니다</a:t>
             </a:r>
             <a:r>
-              <a:rPr lang="en-US" altLang="ko-KR" dirty="0"/>
+              <a:rPr lang="en-US" altLang="ko-KR" dirty="0">
+                <a:latin typeface="나눔스퀘어OTF" panose="020B0600000101010101" pitchFamily="34" charset="-127"/>
+                <a:ea typeface="나눔스퀘어OTF" panose="020B0600000101010101" pitchFamily="34" charset="-127"/>
+              </a:rPr>
               <a:t>.</a:t>
             </a:r>
           </a:p>
@@ -3769,15 +4158,24 @@
               <a:buNone/>
             </a:pPr>
             <a:r>
-              <a:rPr lang="ko-KR" altLang="en-US" dirty="0"/>
+              <a:rPr lang="ko-KR" altLang="en-US" dirty="0">
+                <a:latin typeface="나눔스퀘어OTF" panose="020B0600000101010101" pitchFamily="34" charset="-127"/>
+                <a:ea typeface="나눔스퀘어OTF" panose="020B0600000101010101" pitchFamily="34" charset="-127"/>
+              </a:rPr>
               <a:t>🔹 </a:t>
             </a:r>
             <a:r>
-              <a:rPr lang="en-US" altLang="ko-KR" dirty="0"/>
+              <a:rPr lang="en-US" altLang="ko-KR" dirty="0">
+                <a:latin typeface="나눔스퀘어OTF" panose="020B0600000101010101" pitchFamily="34" charset="-127"/>
+                <a:ea typeface="나눔스퀘어OTF" panose="020B0600000101010101" pitchFamily="34" charset="-127"/>
+              </a:rPr>
               <a:t>9. </a:t>
             </a:r>
             <a:r>
-              <a:rPr lang="ko-KR" altLang="en-US" dirty="0"/>
+              <a:rPr lang="ko-KR" altLang="en-US" dirty="0">
+                <a:latin typeface="나눔스퀘어OTF" panose="020B0600000101010101" pitchFamily="34" charset="-127"/>
+                <a:ea typeface="나눔스퀘어OTF" panose="020B0600000101010101" pitchFamily="34" charset="-127"/>
+              </a:rPr>
               <a:t>전체 흐름 정리 및 응대 자료 생성</a:t>
             </a:r>
           </a:p>
@@ -3786,19 +4184,31 @@
               <a:buNone/>
             </a:pPr>
             <a:r>
-              <a:rPr lang="ko-KR" altLang="en-US" dirty="0"/>
+              <a:rPr lang="ko-KR" altLang="en-US" dirty="0">
+                <a:latin typeface="나눔스퀘어OTF" panose="020B0600000101010101" pitchFamily="34" charset="-127"/>
+                <a:ea typeface="나눔스퀘어OTF" panose="020B0600000101010101" pitchFamily="34" charset="-127"/>
+              </a:rPr>
               <a:t>최종적으로 </a:t>
             </a:r>
             <a:r>
-              <a:rPr lang="en-US" altLang="ko-KR" dirty="0"/>
+              <a:rPr lang="en-US" altLang="ko-KR" dirty="0">
+                <a:latin typeface="나눔스퀘어OTF" panose="020B0600000101010101" pitchFamily="34" charset="-127"/>
+                <a:ea typeface="나눔스퀘어OTF" panose="020B0600000101010101" pitchFamily="34" charset="-127"/>
+              </a:rPr>
               <a:t>AI</a:t>
             </a:r>
             <a:r>
-              <a:rPr lang="ko-KR" altLang="en-US" dirty="0"/>
+              <a:rPr lang="ko-KR" altLang="en-US" dirty="0">
+                <a:latin typeface="나눔스퀘어OTF" panose="020B0600000101010101" pitchFamily="34" charset="-127"/>
+                <a:ea typeface="나눔스퀘어OTF" panose="020B0600000101010101" pitchFamily="34" charset="-127"/>
+              </a:rPr>
               <a:t>는 고객 요청의 흐름에 따라 다음과 같은 방식으로 응대 자료를 생성합니다</a:t>
             </a:r>
             <a:r>
-              <a:rPr lang="en-US" altLang="ko-KR" dirty="0"/>
+              <a:rPr lang="en-US" altLang="ko-KR" dirty="0">
+                <a:latin typeface="나눔스퀘어OTF" panose="020B0600000101010101" pitchFamily="34" charset="-127"/>
+                <a:ea typeface="나눔스퀘어OTF" panose="020B0600000101010101" pitchFamily="34" charset="-127"/>
+              </a:rPr>
               <a:t>:</a:t>
             </a:r>
           </a:p>
@@ -3807,31 +4217,52 @@
               <a:buNone/>
             </a:pPr>
             <a:r>
-              <a:rPr lang="en-US" altLang="ko-KR" dirty="0"/>
+              <a:rPr lang="en-US" altLang="ko-KR" dirty="0">
+                <a:latin typeface="나눔스퀘어OTF" panose="020B0600000101010101" pitchFamily="34" charset="-127"/>
+                <a:ea typeface="나눔스퀘어OTF" panose="020B0600000101010101" pitchFamily="34" charset="-127"/>
+              </a:rPr>
               <a:t>"</a:t>
             </a:r>
             <a:r>
-              <a:rPr lang="ko-KR" altLang="en-US" dirty="0"/>
+              <a:rPr lang="ko-KR" altLang="en-US" dirty="0">
+                <a:latin typeface="나눔스퀘어OTF" panose="020B0600000101010101" pitchFamily="34" charset="-127"/>
+                <a:ea typeface="나눔스퀘어OTF" panose="020B0600000101010101" pitchFamily="34" charset="-127"/>
+              </a:rPr>
               <a:t>고객님께서 문의주신 </a:t>
             </a:r>
             <a:r>
-              <a:rPr lang="en-US" altLang="ko-KR" dirty="0"/>
+              <a:rPr lang="en-US" altLang="ko-KR" dirty="0">
+                <a:latin typeface="나눔스퀘어OTF" panose="020B0600000101010101" pitchFamily="34" charset="-127"/>
+                <a:ea typeface="나눔스퀘어OTF" panose="020B0600000101010101" pitchFamily="34" charset="-127"/>
+              </a:rPr>
               <a:t>a </a:t>
             </a:r>
             <a:r>
-              <a:rPr lang="ko-KR" altLang="en-US" dirty="0"/>
+              <a:rPr lang="ko-KR" altLang="en-US" dirty="0">
+                <a:latin typeface="나눔스퀘어OTF" panose="020B0600000101010101" pitchFamily="34" charset="-127"/>
+                <a:ea typeface="나눔스퀘어OTF" panose="020B0600000101010101" pitchFamily="34" charset="-127"/>
+              </a:rPr>
               <a:t>제품의 </a:t>
             </a:r>
             <a:r>
-              <a:rPr lang="en-US" altLang="ko-KR" dirty="0"/>
+              <a:rPr lang="en-US" altLang="ko-KR" dirty="0">
+                <a:latin typeface="나눔스퀘어OTF" panose="020B0600000101010101" pitchFamily="34" charset="-127"/>
+                <a:ea typeface="나눔스퀘어OTF" panose="020B0600000101010101" pitchFamily="34" charset="-127"/>
+              </a:rPr>
               <a:t>b </a:t>
             </a:r>
             <a:r>
-              <a:rPr lang="ko-KR" altLang="en-US" dirty="0"/>
+              <a:rPr lang="ko-KR" altLang="en-US" dirty="0">
+                <a:latin typeface="나눔스퀘어OTF" panose="020B0600000101010101" pitchFamily="34" charset="-127"/>
+                <a:ea typeface="나눔스퀘어OTF" panose="020B0600000101010101" pitchFamily="34" charset="-127"/>
+              </a:rPr>
               <a:t>분류 항목을 확인한 결과</a:t>
             </a:r>
             <a:r>
-              <a:rPr lang="en-US" altLang="ko-KR" dirty="0"/>
+              <a:rPr lang="en-US" altLang="ko-KR" dirty="0">
+                <a:latin typeface="나눔스퀘어OTF" panose="020B0600000101010101" pitchFamily="34" charset="-127"/>
+                <a:ea typeface="나눔스퀘어OTF" panose="020B0600000101010101" pitchFamily="34" charset="-127"/>
+              </a:rPr>
               <a:t>,</a:t>
             </a:r>
           </a:p>
@@ -3840,11 +4271,17 @@
               <a:buNone/>
             </a:pPr>
             <a:r>
-              <a:rPr lang="ko-KR" altLang="en-US" dirty="0"/>
+              <a:rPr lang="ko-KR" altLang="en-US" dirty="0">
+                <a:latin typeface="나눔스퀘어OTF" panose="020B0600000101010101" pitchFamily="34" charset="-127"/>
+                <a:ea typeface="나눔스퀘어OTF" panose="020B0600000101010101" pitchFamily="34" charset="-127"/>
+              </a:rPr>
               <a:t>문의내용은 다음과 같습니다</a:t>
             </a:r>
             <a:r>
-              <a:rPr lang="en-US" altLang="ko-KR" dirty="0"/>
+              <a:rPr lang="en-US" altLang="ko-KR" dirty="0">
+                <a:latin typeface="나눔스퀘어OTF" panose="020B0600000101010101" pitchFamily="34" charset="-127"/>
+                <a:ea typeface="나눔스퀘어OTF" panose="020B0600000101010101" pitchFamily="34" charset="-127"/>
+              </a:rPr>
               <a:t>.</a:t>
             </a:r>
           </a:p>
@@ -3853,15 +4290,24 @@
               <a:buNone/>
             </a:pPr>
             <a:r>
-              <a:rPr lang="en-US" altLang="ko-KR" dirty="0"/>
+              <a:rPr lang="en-US" altLang="ko-KR" dirty="0">
+                <a:latin typeface="나눔스퀘어OTF" panose="020B0600000101010101" pitchFamily="34" charset="-127"/>
+                <a:ea typeface="나눔스퀘어OTF" panose="020B0600000101010101" pitchFamily="34" charset="-127"/>
+              </a:rPr>
               <a:t>{</a:t>
             </a:r>
             <a:r>
-              <a:rPr lang="ko-KR" altLang="en-US" dirty="0"/>
+              <a:rPr lang="ko-KR" altLang="en-US" dirty="0">
+                <a:latin typeface="나눔스퀘어OTF" panose="020B0600000101010101" pitchFamily="34" charset="-127"/>
+                <a:ea typeface="나눔스퀘어OTF" panose="020B0600000101010101" pitchFamily="34" charset="-127"/>
+              </a:rPr>
               <a:t>문의 요약</a:t>
             </a:r>
             <a:r>
-              <a:rPr lang="en-US" altLang="ko-KR" dirty="0"/>
+              <a:rPr lang="en-US" altLang="ko-KR" dirty="0">
+                <a:latin typeface="나눔스퀘어OTF" panose="020B0600000101010101" pitchFamily="34" charset="-127"/>
+                <a:ea typeface="나눔스퀘어OTF" panose="020B0600000101010101" pitchFamily="34" charset="-127"/>
+              </a:rPr>
               <a:t>}</a:t>
             </a:r>
           </a:p>
@@ -3870,15 +4316,24 @@
               <a:buNone/>
             </a:pPr>
             <a:r>
-              <a:rPr lang="ko-KR" altLang="en-US" dirty="0"/>
+              <a:rPr lang="ko-KR" altLang="en-US" dirty="0">
+                <a:latin typeface="나눔스퀘어OTF" panose="020B0600000101010101" pitchFamily="34" charset="-127"/>
+                <a:ea typeface="나눔스퀘어OTF" panose="020B0600000101010101" pitchFamily="34" charset="-127"/>
+              </a:rPr>
               <a:t>따라서 아래와 같이 </a:t>
             </a:r>
             <a:r>
-              <a:rPr lang="ko-KR" altLang="en-US" dirty="0" err="1"/>
+              <a:rPr lang="ko-KR" altLang="en-US" dirty="0" err="1">
+                <a:latin typeface="나눔스퀘어OTF" panose="020B0600000101010101" pitchFamily="34" charset="-127"/>
+                <a:ea typeface="나눔스퀘어OTF" panose="020B0600000101010101" pitchFamily="34" charset="-127"/>
+              </a:rPr>
               <a:t>안내드립니다</a:t>
             </a:r>
             <a:r>
-              <a:rPr lang="en-US" altLang="ko-KR" dirty="0"/>
+              <a:rPr lang="en-US" altLang="ko-KR" dirty="0">
+                <a:latin typeface="나눔스퀘어OTF" panose="020B0600000101010101" pitchFamily="34" charset="-127"/>
+                <a:ea typeface="나눔스퀘어OTF" panose="020B0600000101010101" pitchFamily="34" charset="-127"/>
+              </a:rPr>
               <a:t>.</a:t>
             </a:r>
           </a:p>
@@ -3887,7 +4342,10 @@
               <a:buNone/>
             </a:pPr>
             <a:r>
-              <a:rPr lang="en-US" altLang="ko-KR" dirty="0"/>
+              <a:rPr lang="en-US" altLang="ko-KR" dirty="0">
+                <a:latin typeface="나눔스퀘어OTF" panose="020B0600000101010101" pitchFamily="34" charset="-127"/>
+                <a:ea typeface="나눔스퀘어OTF" panose="020B0600000101010101" pitchFamily="34" charset="-127"/>
+              </a:rPr>
               <a:t>{Answer Content}</a:t>
             </a:r>
           </a:p>
@@ -3896,7 +4354,10 @@
               <a:buNone/>
             </a:pPr>
             <a:r>
-              <a:rPr lang="en-US" altLang="ko-KR" dirty="0"/>
+              <a:rPr lang="en-US" altLang="ko-KR" dirty="0">
+                <a:latin typeface="나눔스퀘어OTF" panose="020B0600000101010101" pitchFamily="34" charset="-127"/>
+                <a:ea typeface="나눔스퀘어OTF" panose="020B0600000101010101" pitchFamily="34" charset="-127"/>
+              </a:rPr>
               <a:t>{Answer Closing}</a:t>
             </a:r>
           </a:p>
@@ -3905,15 +4366,24 @@
               <a:buNone/>
             </a:pPr>
             <a:r>
-              <a:rPr lang="en-US" altLang="ko-KR" dirty="0"/>
+              <a:rPr lang="en-US" altLang="ko-KR" dirty="0">
+                <a:latin typeface="나눔스퀘어OTF" panose="020B0600000101010101" pitchFamily="34" charset="-127"/>
+                <a:ea typeface="나눔스퀘어OTF" panose="020B0600000101010101" pitchFamily="34" charset="-127"/>
+              </a:rPr>
               <a:t>⬇ </a:t>
             </a:r>
             <a:r>
-              <a:rPr lang="ko-KR" altLang="en-US" dirty="0"/>
+              <a:rPr lang="ko-KR" altLang="en-US" dirty="0">
+                <a:latin typeface="나눔스퀘어OTF" panose="020B0600000101010101" pitchFamily="34" charset="-127"/>
+                <a:ea typeface="나눔스퀘어OTF" panose="020B0600000101010101" pitchFamily="34" charset="-127"/>
+              </a:rPr>
               <a:t>내부 공유용</a:t>
             </a:r>
             <a:r>
-              <a:rPr lang="en-US" altLang="ko-KR" dirty="0"/>
+              <a:rPr lang="en-US" altLang="ko-KR" dirty="0">
+                <a:latin typeface="나눔스퀘어OTF" panose="020B0600000101010101" pitchFamily="34" charset="-127"/>
+                <a:ea typeface="나눔스퀘어OTF" panose="020B0600000101010101" pitchFamily="34" charset="-127"/>
+              </a:rPr>
               <a:t>:</a:t>
             </a:r>
           </a:p>
@@ -3922,23 +4392,38 @@
               <a:buNone/>
             </a:pPr>
             <a:r>
-              <a:rPr lang="en-US" altLang="ko-KR" dirty="0"/>
+              <a:rPr lang="en-US" altLang="ko-KR" dirty="0">
+                <a:latin typeface="나눔스퀘어OTF" panose="020B0600000101010101" pitchFamily="34" charset="-127"/>
+                <a:ea typeface="나눔스퀘어OTF" panose="020B0600000101010101" pitchFamily="34" charset="-127"/>
+              </a:rPr>
               <a:t>▸ </a:t>
             </a:r>
             <a:r>
-              <a:rPr lang="ko-KR" altLang="en-US" dirty="0"/>
+              <a:rPr lang="ko-KR" altLang="en-US" dirty="0">
+                <a:latin typeface="나눔스퀘어OTF" panose="020B0600000101010101" pitchFamily="34" charset="-127"/>
+                <a:ea typeface="나눔스퀘어OTF" panose="020B0600000101010101" pitchFamily="34" charset="-127"/>
+              </a:rPr>
               <a:t>중간 처리 가이드</a:t>
             </a:r>
             <a:r>
-              <a:rPr lang="en-US" altLang="ko-KR" dirty="0"/>
+              <a:rPr lang="en-US" altLang="ko-KR" dirty="0">
+                <a:latin typeface="나눔스퀘어OTF" panose="020B0600000101010101" pitchFamily="34" charset="-127"/>
+                <a:ea typeface="나눔스퀘어OTF" panose="020B0600000101010101" pitchFamily="34" charset="-127"/>
+              </a:rPr>
               <a:t>(g): {</a:t>
             </a:r>
             <a:r>
-              <a:rPr lang="ko-KR" altLang="en-US" dirty="0"/>
+              <a:rPr lang="ko-KR" altLang="en-US" dirty="0">
+                <a:latin typeface="나눔스퀘어OTF" panose="020B0600000101010101" pitchFamily="34" charset="-127"/>
+                <a:ea typeface="나눔스퀘어OTF" panose="020B0600000101010101" pitchFamily="34" charset="-127"/>
+              </a:rPr>
               <a:t>내용</a:t>
             </a:r>
             <a:r>
-              <a:rPr lang="en-US" altLang="ko-KR" dirty="0"/>
+              <a:rPr lang="en-US" altLang="ko-KR" dirty="0">
+                <a:latin typeface="나눔스퀘어OTF" panose="020B0600000101010101" pitchFamily="34" charset="-127"/>
+                <a:ea typeface="나눔스퀘어OTF" panose="020B0600000101010101" pitchFamily="34" charset="-127"/>
+              </a:rPr>
               <a:t>}</a:t>
             </a:r>
           </a:p>
@@ -3947,56 +4432,95 @@
               <a:buNone/>
             </a:pPr>
             <a:r>
-              <a:rPr lang="en-US" altLang="ko-KR" dirty="0"/>
+              <a:rPr lang="en-US" altLang="ko-KR" dirty="0">
+                <a:latin typeface="나눔스퀘어OTF" panose="020B0600000101010101" pitchFamily="34" charset="-127"/>
+                <a:ea typeface="나눔스퀘어OTF" panose="020B0600000101010101" pitchFamily="34" charset="-127"/>
+              </a:rPr>
               <a:t>▸ </a:t>
             </a:r>
             <a:r>
-              <a:rPr lang="ko-KR" altLang="en-US" dirty="0"/>
+              <a:rPr lang="ko-KR" altLang="en-US" dirty="0">
+                <a:latin typeface="나눔스퀘어OTF" panose="020B0600000101010101" pitchFamily="34" charset="-127"/>
+                <a:ea typeface="나눔스퀘어OTF" panose="020B0600000101010101" pitchFamily="34" charset="-127"/>
+              </a:rPr>
               <a:t>접수 방법</a:t>
             </a:r>
             <a:r>
-              <a:rPr lang="en-US" altLang="ko-KR" dirty="0"/>
+              <a:rPr lang="en-US" altLang="ko-KR" dirty="0">
+                <a:latin typeface="나눔스퀘어OTF" panose="020B0600000101010101" pitchFamily="34" charset="-127"/>
+                <a:ea typeface="나눔스퀘어OTF" panose="020B0600000101010101" pitchFamily="34" charset="-127"/>
+              </a:rPr>
               <a:t>(h): {</a:t>
             </a:r>
             <a:r>
-              <a:rPr lang="ko-KR" altLang="en-US" dirty="0"/>
+              <a:rPr lang="ko-KR" altLang="en-US" dirty="0">
+                <a:latin typeface="나눔스퀘어OTF" panose="020B0600000101010101" pitchFamily="34" charset="-127"/>
+                <a:ea typeface="나눔스퀘어OTF" panose="020B0600000101010101" pitchFamily="34" charset="-127"/>
+              </a:rPr>
               <a:t>내용</a:t>
             </a:r>
             <a:r>
-              <a:rPr lang="en-US" altLang="ko-KR" dirty="0"/>
+              <a:rPr lang="en-US" altLang="ko-KR" dirty="0">
+                <a:latin typeface="나눔스퀘어OTF" panose="020B0600000101010101" pitchFamily="34" charset="-127"/>
+                <a:ea typeface="나눔스퀘어OTF" panose="020B0600000101010101" pitchFamily="34" charset="-127"/>
+              </a:rPr>
               <a:t>}</a:t>
             </a:r>
           </a:p>
           <a:p>
             <a:r>
-              <a:rPr lang="en-US" altLang="ko-KR" dirty="0"/>
+              <a:rPr lang="en-US" altLang="ko-KR" dirty="0">
+                <a:latin typeface="나눔스퀘어OTF" panose="020B0600000101010101" pitchFamily="34" charset="-127"/>
+                <a:ea typeface="나눔스퀘어OTF" panose="020B0600000101010101" pitchFamily="34" charset="-127"/>
+              </a:rPr>
               <a:t>▸ </a:t>
             </a:r>
             <a:r>
-              <a:rPr lang="ko-KR" altLang="en-US" dirty="0"/>
+              <a:rPr lang="ko-KR" altLang="en-US" dirty="0">
+                <a:latin typeface="나눔스퀘어OTF" panose="020B0600000101010101" pitchFamily="34" charset="-127"/>
+                <a:ea typeface="나눔스퀘어OTF" panose="020B0600000101010101" pitchFamily="34" charset="-127"/>
+              </a:rPr>
               <a:t>기술 검토 필요 여부</a:t>
             </a:r>
             <a:r>
-              <a:rPr lang="en-US" altLang="ko-KR" dirty="0"/>
+              <a:rPr lang="en-US" altLang="ko-KR" dirty="0">
+                <a:latin typeface="나눔스퀘어OTF" panose="020B0600000101010101" pitchFamily="34" charset="-127"/>
+                <a:ea typeface="나눔스퀘어OTF" panose="020B0600000101010101" pitchFamily="34" charset="-127"/>
+              </a:rPr>
               <a:t>(</a:t>
             </a:r>
             <a:r>
-              <a:rPr lang="en-US" altLang="ko-KR" dirty="0" err="1"/>
+              <a:rPr lang="en-US" altLang="ko-KR" dirty="0" err="1">
+                <a:latin typeface="나눔스퀘어OTF" panose="020B0600000101010101" pitchFamily="34" charset="-127"/>
+                <a:ea typeface="나눔스퀘어OTF" panose="020B0600000101010101" pitchFamily="34" charset="-127"/>
+              </a:rPr>
               <a:t>i</a:t>
             </a:r>
             <a:r>
-              <a:rPr lang="en-US" altLang="ko-KR" dirty="0"/>
+              <a:rPr lang="en-US" altLang="ko-KR" dirty="0">
+                <a:latin typeface="나눔스퀘어OTF" panose="020B0600000101010101" pitchFamily="34" charset="-127"/>
+                <a:ea typeface="나눔스퀘어OTF" panose="020B0600000101010101" pitchFamily="34" charset="-127"/>
+              </a:rPr>
               <a:t>): {</a:t>
             </a:r>
             <a:r>
-              <a:rPr lang="ko-KR" altLang="en-US" dirty="0"/>
+              <a:rPr lang="ko-KR" altLang="en-US" dirty="0">
+                <a:latin typeface="나눔스퀘어OTF" panose="020B0600000101010101" pitchFamily="34" charset="-127"/>
+                <a:ea typeface="나눔스퀘어OTF" panose="020B0600000101010101" pitchFamily="34" charset="-127"/>
+              </a:rPr>
               <a:t>내용</a:t>
             </a:r>
             <a:r>
-              <a:rPr lang="en-US" altLang="ko-KR" dirty="0"/>
+              <a:rPr lang="en-US" altLang="ko-KR" dirty="0">
+                <a:latin typeface="나눔스퀘어OTF" panose="020B0600000101010101" pitchFamily="34" charset="-127"/>
+                <a:ea typeface="나눔스퀘어OTF" panose="020B0600000101010101" pitchFamily="34" charset="-127"/>
+              </a:rPr>
               <a:t>}"</a:t>
             </a:r>
-            <a:endParaRPr lang="ko-KR" altLang="en-US" dirty="0"/>
+            <a:endParaRPr lang="ko-KR" altLang="en-US" dirty="0">
+              <a:latin typeface="나눔스퀘어OTF" panose="020B0600000101010101" pitchFamily="34" charset="-127"/>
+              <a:ea typeface="나눔스퀘어OTF" panose="020B0600000101010101" pitchFamily="34" charset="-127"/>
+            </a:endParaRPr>
           </a:p>
         </p:txBody>
       </p:sp>
